--- a/Jankovics Dávid/Legkisebb, legnagyobb elem kiválasztása.pptx
+++ b/Jankovics Dávid/Legkisebb, legnagyobb elem kiválasztása.pptx
@@ -9,12 +9,10 @@
     <p:sldId id="257" r:id="rId3"/>
     <p:sldId id="258" r:id="rId4"/>
     <p:sldId id="259" r:id="rId5"/>
-    <p:sldId id="260" r:id="rId6"/>
-    <p:sldId id="261" r:id="rId7"/>
-    <p:sldId id="262" r:id="rId8"/>
-    <p:sldId id="263" r:id="rId9"/>
-    <p:sldId id="264" r:id="rId10"/>
-    <p:sldId id="265" r:id="rId11"/>
+    <p:sldId id="261" r:id="rId6"/>
+    <p:sldId id="262" r:id="rId7"/>
+    <p:sldId id="263" r:id="rId8"/>
+    <p:sldId id="265" r:id="rId9"/>
   </p:sldIdLst>
   <p:sldSz cx="12192000" cy="6858000"/>
   <p:notesSz cx="6858000" cy="9144000"/>
@@ -113,6 +111,11 @@
       </a:defRPr>
     </a:lvl9pPr>
   </p:defaultTextStyle>
+  <p:extLst>
+    <p:ext uri="{EFAFB233-063F-42B5-8137-9DF3F51BA10A}">
+      <p15:sldGuideLst xmlns:p15="http://schemas.microsoft.com/office/powerpoint/2012/main"/>
+    </p:ext>
+  </p:extLst>
 </p:presentation>
 </file>
 
@@ -3381,13 +3384,8 @@
           <a:p>
             <a:r>
               <a:rPr lang="hu-HU" dirty="0"/>
-              <a:t>Jankovics </a:t>
-            </a:r>
-            <a:r>
-              <a:rPr lang="hu-HU" dirty="0" err="1"/>
-              <a:t>dávid</a:t>
-            </a:r>
-            <a:endParaRPr lang="hu-HU" dirty="0"/>
+              <a:t>Jankovics Dávid</a:t>
+            </a:r>
           </a:p>
         </p:txBody>
       </p:sp>
@@ -3401,121 +3399,15 @@
   <p:clrMapOvr>
     <a:masterClrMapping/>
   </p:clrMapOvr>
-  <mc:AlternateContent xmlns:mc="http://schemas.openxmlformats.org/markup-compatibility/2006">
-    <mc:Choice xmlns:p14="http://schemas.microsoft.com/office/powerpoint/2010/main" Requires="p14">
+  <mc:AlternateContent xmlns:mc="http://schemas.openxmlformats.org/markup-compatibility/2006" xmlns:p14="http://schemas.microsoft.com/office/powerpoint/2010/main">
+    <mc:Choice Requires="p14">
       <p:transition spd="slow" p14:dur="1500">
         <p:split orient="vert"/>
       </p:transition>
     </mc:Choice>
-    <mc:Fallback>
+    <mc:Fallback xmlns="">
       <p:transition spd="slow">
         <p:split orient="vert"/>
-      </p:transition>
-    </mc:Fallback>
-  </mc:AlternateContent>
-</p:sld>
-</file>
-
-<file path=ppt/slides/slide10.xml><?xml version="1.0" encoding="utf-8"?>
-<p:sld xmlns:a="http://schemas.openxmlformats.org/drawingml/2006/main" xmlns:r="http://schemas.openxmlformats.org/officeDocument/2006/relationships" xmlns:p="http://schemas.openxmlformats.org/presentationml/2006/main">
-  <p:cSld>
-    <p:spTree>
-      <p:nvGrpSpPr>
-        <p:cNvPr id="1" name=""/>
-        <p:cNvGrpSpPr/>
-        <p:nvPr/>
-      </p:nvGrpSpPr>
-      <p:grpSpPr>
-        <a:xfrm>
-          <a:off x="0" y="0"/>
-          <a:ext cx="0" cy="0"/>
-          <a:chOff x="0" y="0"/>
-          <a:chExt cx="0" cy="0"/>
-        </a:xfrm>
-      </p:grpSpPr>
-      <p:sp>
-        <p:nvSpPr>
-          <p:cNvPr id="2" name="Cím 1">
-            <a:extLst>
-              <a:ext uri="{FF2B5EF4-FFF2-40B4-BE49-F238E27FC236}">
-                <a16:creationId xmlns:a16="http://schemas.microsoft.com/office/drawing/2014/main" id="{EF3C8A8F-6791-4304-9976-C36D2EB5170B}"/>
-              </a:ext>
-            </a:extLst>
-          </p:cNvPr>
-          <p:cNvSpPr>
-            <a:spLocks noGrp="1"/>
-          </p:cNvSpPr>
-          <p:nvPr>
-            <p:ph type="title"/>
-          </p:nvPr>
-        </p:nvSpPr>
-        <p:spPr/>
-        <p:txBody>
-          <a:bodyPr/>
-          <a:lstStyle/>
-          <a:p>
-            <a:r>
-              <a:rPr lang="hu-HU" dirty="0"/>
-              <a:t>Köszönöm a figyelmet</a:t>
-            </a:r>
-          </a:p>
-        </p:txBody>
-      </p:sp>
-      <p:sp>
-        <p:nvSpPr>
-          <p:cNvPr id="3" name="Tartalom helye 2">
-            <a:extLst>
-              <a:ext uri="{FF2B5EF4-FFF2-40B4-BE49-F238E27FC236}">
-                <a16:creationId xmlns:a16="http://schemas.microsoft.com/office/drawing/2014/main" id="{81348C2C-0DA3-4540-B640-03299C9C9FA9}"/>
-              </a:ext>
-            </a:extLst>
-          </p:cNvPr>
-          <p:cNvSpPr>
-            <a:spLocks noGrp="1"/>
-          </p:cNvSpPr>
-          <p:nvPr>
-            <p:ph idx="1"/>
-          </p:nvPr>
-        </p:nvSpPr>
-        <p:spPr/>
-        <p:txBody>
-          <a:bodyPr/>
-          <a:lstStyle/>
-          <a:p>
-            <a:r>
-              <a:rPr lang="hu-HU" dirty="0"/>
-              <a:t>Források: </a:t>
-            </a:r>
-            <a:r>
-              <a:rPr lang="hu-HU" dirty="0" err="1"/>
-              <a:t>chatgpt</a:t>
-            </a:r>
-            <a:endParaRPr lang="hu-HU" dirty="0"/>
-          </a:p>
-          <a:p>
-            <a:endParaRPr lang="hu-HU" dirty="0"/>
-          </a:p>
-        </p:txBody>
-      </p:sp>
-    </p:spTree>
-    <p:extLst>
-      <p:ext uri="{BB962C8B-B14F-4D97-AF65-F5344CB8AC3E}">
-        <p14:creationId xmlns:p14="http://schemas.microsoft.com/office/powerpoint/2010/main" val="2474069214"/>
-      </p:ext>
-    </p:extLst>
-  </p:cSld>
-  <p:clrMapOvr>
-    <a:masterClrMapping/>
-  </p:clrMapOvr>
-  <mc:AlternateContent xmlns:mc="http://schemas.openxmlformats.org/markup-compatibility/2006">
-    <mc:Choice xmlns:p14="http://schemas.microsoft.com/office/powerpoint/2010/main" Requires="p14">
-      <p:transition spd="slow" p14:dur="4000">
-        <p14:vortex dir="r"/>
-      </p:transition>
-    </mc:Choice>
-    <mc:Fallback>
-      <p:transition spd="slow">
-        <p:fade/>
       </p:transition>
     </mc:Fallback>
   </mc:AlternateContent>
@@ -3625,13 +3517,13 @@
   <p:clrMapOvr>
     <a:masterClrMapping/>
   </p:clrMapOvr>
-  <mc:AlternateContent xmlns:mc="http://schemas.openxmlformats.org/markup-compatibility/2006">
-    <mc:Choice xmlns:p14="http://schemas.microsoft.com/office/powerpoint/2010/main" Requires="p14">
+  <mc:AlternateContent xmlns:mc="http://schemas.openxmlformats.org/markup-compatibility/2006" xmlns:p14="http://schemas.microsoft.com/office/powerpoint/2010/main">
+    <mc:Choice Requires="p14">
       <p:transition spd="slow" p14:dur="3400">
         <p14:reveal/>
       </p:transition>
     </mc:Choice>
-    <mc:Fallback>
+    <mc:Fallback xmlns="">
       <p:transition spd="slow">
         <p:fade/>
       </p:transition>
@@ -3860,13 +3752,13 @@
   <p:clrMapOvr>
     <a:masterClrMapping/>
   </p:clrMapOvr>
-  <mc:AlternateContent xmlns:mc="http://schemas.openxmlformats.org/markup-compatibility/2006">
-    <mc:Choice xmlns:p14="http://schemas.microsoft.com/office/powerpoint/2010/main" Requires="p14">
+  <mc:AlternateContent xmlns:mc="http://schemas.openxmlformats.org/markup-compatibility/2006" xmlns:p14="http://schemas.microsoft.com/office/powerpoint/2010/main">
+    <mc:Choice Requires="p14">
       <p:transition spd="med" p14:dur="700">
         <p:fade/>
       </p:transition>
     </mc:Choice>
-    <mc:Fallback>
+    <mc:Fallback xmlns="">
       <p:transition spd="med">
         <p:fade/>
       </p:transition>
@@ -3897,7 +3789,7 @@
           <p:cNvPr id="2" name="Cím 1">
             <a:extLst>
               <a:ext uri="{FF2B5EF4-FFF2-40B4-BE49-F238E27FC236}">
-                <a16:creationId xmlns:a16="http://schemas.microsoft.com/office/drawing/2014/main" id="{A796A8DD-16A5-449F-A626-813854918D76}"/>
+                <a16:creationId xmlns:a16="http://schemas.microsoft.com/office/drawing/2014/main" id="{A8580945-5088-4488-95B6-96F13308EEC7}"/>
               </a:ext>
             </a:extLst>
           </p:cNvPr>
@@ -3913,55 +3805,254 @@
           <a:bodyPr/>
           <a:lstStyle/>
           <a:p>
+            <a:r>
+              <a:rPr lang="hu-HU" dirty="0"/>
+              <a:t>Már majdnem</a:t>
+            </a:r>
+            <a:br>
+              <a:rPr lang="hu-HU" dirty="0"/>
+            </a:br>
             <a:endParaRPr lang="hu-HU" dirty="0"/>
           </a:p>
         </p:txBody>
       </p:sp>
-      <p:pic>
-        <p:nvPicPr>
-          <p:cNvPr id="4" name="Tartalom helye 3">
-            <a:extLst>
-              <a:ext uri="{FF2B5EF4-FFF2-40B4-BE49-F238E27FC236}">
-                <a16:creationId xmlns:a16="http://schemas.microsoft.com/office/drawing/2014/main" id="{AC98D9C0-5477-4FF7-8317-17D65BDAF1D7}"/>
-              </a:ext>
-            </a:extLst>
-          </p:cNvPr>
-          <p:cNvPicPr>
-            <a:picLocks noGrp="1" noChangeAspect="1"/>
-          </p:cNvPicPr>
+      <p:sp>
+        <p:nvSpPr>
+          <p:cNvPr id="3" name="Tartalom helye 2">
+            <a:extLst>
+              <a:ext uri="{FF2B5EF4-FFF2-40B4-BE49-F238E27FC236}">
+                <a16:creationId xmlns:a16="http://schemas.microsoft.com/office/drawing/2014/main" id="{C4F7AABA-DB0E-4F46-9465-1F42D1C9F44F}"/>
+              </a:ext>
+            </a:extLst>
+          </p:cNvPr>
+          <p:cNvSpPr>
+            <a:spLocks noGrp="1"/>
+          </p:cNvSpPr>
           <p:nvPr>
             <p:ph idx="1"/>
           </p:nvPr>
-        </p:nvPicPr>
-        <p:blipFill>
-          <a:blip r:embed="rId2"/>
-          <a:stretch>
-            <a:fillRect/>
-          </a:stretch>
-        </p:blipFill>
+        </p:nvSpPr>
         <p:spPr>
           <a:xfrm>
-            <a:off x="3195108" y="1825625"/>
-            <a:ext cx="5801784" cy="4351338"/>
+            <a:off x="838200" y="1825625"/>
+            <a:ext cx="10515600" cy="4351338"/>
           </a:xfrm>
-          <a:prstGeom prst="rect">
-            <a:avLst/>
-          </a:prstGeom>
         </p:spPr>
-      </p:pic>
+        <p:txBody>
+          <a:bodyPr/>
+          <a:lstStyle/>
+          <a:p>
+            <a:r>
+              <a:rPr lang="hu-HU" dirty="0" err="1"/>
+              <a:t>class</a:t>
+            </a:r>
+            <a:r>
+              <a:rPr lang="hu-HU" dirty="0"/>
+              <a:t> Program </a:t>
+            </a:r>
+          </a:p>
+          <a:p>
+            <a:r>
+              <a:rPr lang="hu-HU" dirty="0"/>
+              <a:t>{ </a:t>
+            </a:r>
+            <a:r>
+              <a:rPr lang="hu-HU" dirty="0" err="1"/>
+              <a:t>public</a:t>
+            </a:r>
+            <a:r>
+              <a:rPr lang="hu-HU" dirty="0"/>
+              <a:t> </a:t>
+            </a:r>
+            <a:r>
+              <a:rPr lang="hu-HU" dirty="0" err="1"/>
+              <a:t>static</a:t>
+            </a:r>
+            <a:r>
+              <a:rPr lang="hu-HU" dirty="0"/>
+              <a:t> </a:t>
+            </a:r>
+            <a:r>
+              <a:rPr lang="hu-HU" dirty="0" err="1"/>
+              <a:t>void</a:t>
+            </a:r>
+            <a:r>
+              <a:rPr lang="hu-HU" dirty="0"/>
+              <a:t> MinMax(int[] </a:t>
+            </a:r>
+            <a:r>
+              <a:rPr lang="hu-HU" dirty="0" err="1"/>
+              <a:t>tomb</a:t>
+            </a:r>
+            <a:r>
+              <a:rPr lang="hu-HU" dirty="0"/>
+              <a:t>, out int min, out int </a:t>
+            </a:r>
+            <a:r>
+              <a:rPr lang="hu-HU" dirty="0" err="1"/>
+              <a:t>max</a:t>
+            </a:r>
+            <a:r>
+              <a:rPr lang="hu-HU" dirty="0"/>
+              <a:t>) </a:t>
+            </a:r>
+          </a:p>
+          <a:p>
+            <a:r>
+              <a:rPr lang="hu-HU" dirty="0"/>
+              <a:t>{</a:t>
+            </a:r>
+          </a:p>
+          <a:p>
+            <a:r>
+              <a:rPr lang="hu-HU" dirty="0"/>
+              <a:t>min = </a:t>
+            </a:r>
+            <a:r>
+              <a:rPr lang="hu-HU" dirty="0" err="1"/>
+              <a:t>tomb</a:t>
+            </a:r>
+            <a:r>
+              <a:rPr lang="hu-HU" dirty="0"/>
+              <a:t>[0]; </a:t>
+            </a:r>
+          </a:p>
+          <a:p>
+            <a:r>
+              <a:rPr lang="hu-HU" dirty="0" err="1"/>
+              <a:t>max</a:t>
+            </a:r>
+            <a:r>
+              <a:rPr lang="hu-HU" dirty="0"/>
+              <a:t> = </a:t>
+            </a:r>
+            <a:r>
+              <a:rPr lang="hu-HU" dirty="0" err="1"/>
+              <a:t>tomb</a:t>
+            </a:r>
+            <a:r>
+              <a:rPr lang="hu-HU" dirty="0"/>
+              <a:t>[0];</a:t>
+            </a:r>
+          </a:p>
+          <a:p>
+            <a:r>
+              <a:rPr lang="hu-HU" dirty="0"/>
+              <a:t> </a:t>
+            </a:r>
+            <a:r>
+              <a:rPr lang="hu-HU" dirty="0" err="1"/>
+              <a:t>for</a:t>
+            </a:r>
+            <a:r>
+              <a:rPr lang="hu-HU" dirty="0"/>
+              <a:t> (int i = 0; i &lt; </a:t>
+            </a:r>
+            <a:r>
+              <a:rPr lang="hu-HU" dirty="0" err="1"/>
+              <a:t>tomb.Length</a:t>
+            </a:r>
+            <a:r>
+              <a:rPr lang="hu-HU" dirty="0"/>
+              <a:t>; i++) { </a:t>
+            </a:r>
+          </a:p>
+          <a:p>
+            <a:r>
+              <a:rPr lang="hu-HU" dirty="0" err="1"/>
+              <a:t>if</a:t>
+            </a:r>
+            <a:r>
+              <a:rPr lang="hu-HU" dirty="0"/>
+              <a:t> (</a:t>
+            </a:r>
+            <a:r>
+              <a:rPr lang="hu-HU" dirty="0" err="1"/>
+              <a:t>tomb</a:t>
+            </a:r>
+            <a:r>
+              <a:rPr lang="hu-HU" dirty="0"/>
+              <a:t>[i] &lt; min)</a:t>
+            </a:r>
+          </a:p>
+          <a:p>
+            <a:r>
+              <a:rPr lang="hu-HU" dirty="0"/>
+              <a:t> { min = </a:t>
+            </a:r>
+            <a:r>
+              <a:rPr lang="hu-HU" dirty="0" err="1"/>
+              <a:t>tomb</a:t>
+            </a:r>
+            <a:r>
+              <a:rPr lang="hu-HU" dirty="0"/>
+              <a:t>[i]; } </a:t>
+            </a:r>
+            <a:r>
+              <a:rPr lang="hu-HU" dirty="0" err="1"/>
+              <a:t>if</a:t>
+            </a:r>
+            <a:r>
+              <a:rPr lang="hu-HU" dirty="0"/>
+              <a:t> (</a:t>
+            </a:r>
+            <a:r>
+              <a:rPr lang="hu-HU" dirty="0" err="1"/>
+              <a:t>tomb</a:t>
+            </a:r>
+            <a:r>
+              <a:rPr lang="hu-HU" dirty="0"/>
+              <a:t>[i] &gt; </a:t>
+            </a:r>
+            <a:r>
+              <a:rPr lang="hu-HU" dirty="0" err="1"/>
+              <a:t>max</a:t>
+            </a:r>
+            <a:r>
+              <a:rPr lang="hu-HU" dirty="0"/>
+              <a:t>) { </a:t>
+            </a:r>
+            <a:r>
+              <a:rPr lang="hu-HU" dirty="0" err="1"/>
+              <a:t>max</a:t>
+            </a:r>
+            <a:r>
+              <a:rPr lang="hu-HU" dirty="0"/>
+              <a:t> = </a:t>
+            </a:r>
+            <a:r>
+              <a:rPr lang="hu-HU" dirty="0" err="1"/>
+              <a:t>tomb</a:t>
+            </a:r>
+            <a:r>
+              <a:rPr lang="hu-HU" dirty="0"/>
+              <a:t>[i]; } } }</a:t>
+            </a:r>
+          </a:p>
+        </p:txBody>
+      </p:sp>
     </p:spTree>
     <p:extLst>
       <p:ext uri="{BB962C8B-B14F-4D97-AF65-F5344CB8AC3E}">
-        <p14:creationId xmlns:p14="http://schemas.microsoft.com/office/powerpoint/2010/main" val="3095255635"/>
+        <p14:creationId xmlns:p14="http://schemas.microsoft.com/office/powerpoint/2010/main" val="4179457415"/>
       </p:ext>
     </p:extLst>
   </p:cSld>
   <p:clrMapOvr>
     <a:masterClrMapping/>
   </p:clrMapOvr>
-  <p:transition spd="slow">
-    <p:randomBar dir="vert"/>
-  </p:transition>
+  <mc:AlternateContent xmlns:mc="http://schemas.openxmlformats.org/markup-compatibility/2006" xmlns:p15="http://schemas.microsoft.com/office/powerpoint/2012/main">
+    <mc:Choice Requires="p15">
+      <p:transition xmlns:p14="http://schemas.microsoft.com/office/powerpoint/2010/main" spd="slow" p14:dur="6000">
+        <p15:prstTrans prst="curtains"/>
+      </p:transition>
+    </mc:Choice>
+    <mc:Fallback xmlns="">
+      <p:transition spd="slow">
+        <p:fade/>
+      </p:transition>
+    </mc:Fallback>
+  </mc:AlternateContent>
 </p:sld>
 </file>
 
@@ -3987,7 +4078,7 @@
           <p:cNvPr id="2" name="Cím 1">
             <a:extLst>
               <a:ext uri="{FF2B5EF4-FFF2-40B4-BE49-F238E27FC236}">
-                <a16:creationId xmlns:a16="http://schemas.microsoft.com/office/drawing/2014/main" id="{A8580945-5088-4488-95B6-96F13308EEC7}"/>
+                <a16:creationId xmlns:a16="http://schemas.microsoft.com/office/drawing/2014/main" id="{D10833D7-298E-45C0-9888-90B803A6E1FE}"/>
               </a:ext>
             </a:extLst>
           </p:cNvPr>
@@ -4005,12 +4096,8 @@
           <a:p>
             <a:r>
               <a:rPr lang="hu-HU" dirty="0"/>
-              <a:t>Már majdnem</a:t>
-            </a:r>
-            <a:br>
-              <a:rPr lang="hu-HU" dirty="0"/>
-            </a:br>
-            <a:endParaRPr lang="hu-HU" dirty="0"/>
+              <a:t>7</a:t>
+            </a:r>
           </a:p>
         </p:txBody>
       </p:sp>
@@ -4019,7 +4106,7 @@
           <p:cNvPr id="3" name="Tartalom helye 2">
             <a:extLst>
               <a:ext uri="{FF2B5EF4-FFF2-40B4-BE49-F238E27FC236}">
-                <a16:creationId xmlns:a16="http://schemas.microsoft.com/office/drawing/2014/main" id="{C4F7AABA-DB0E-4F46-9465-1F42D1C9F44F}"/>
+                <a16:creationId xmlns:a16="http://schemas.microsoft.com/office/drawing/2014/main" id="{DCC218AB-1549-416F-BFEE-EA031B6F0E93}"/>
               </a:ext>
             </a:extLst>
           </p:cNvPr>
@@ -4030,23 +4117,54 @@
             <p:ph idx="1"/>
           </p:nvPr>
         </p:nvSpPr>
-        <p:spPr>
-          <a:xfrm>
-            <a:off x="838200" y="1825625"/>
-            <a:ext cx="10515600" cy="4351338"/>
-          </a:xfrm>
-        </p:spPr>
-        <p:txBody>
-          <a:bodyPr/>
-          <a:lstStyle/>
-          <a:p>
+        <p:spPr/>
+        <p:txBody>
+          <a:bodyPr>
+            <a:normAutofit/>
+          </a:bodyPr>
+          <a:lstStyle/>
+          <a:p>
+            <a:r>
+              <a:rPr lang="hu-HU" dirty="0"/>
+              <a:t>{ min = </a:t>
+            </a:r>
             <a:r>
               <a:rPr lang="hu-HU" dirty="0" err="1"/>
-              <a:t>class</a:t>
-            </a:r>
-            <a:r>
-              <a:rPr lang="hu-HU" dirty="0"/>
-              <a:t> Program </a:t>
+              <a:t>tomb</a:t>
+            </a:r>
+            <a:r>
+              <a:rPr lang="hu-HU" dirty="0"/>
+              <a:t>[i];</a:t>
+            </a:r>
+          </a:p>
+          <a:p>
+            <a:r>
+              <a:rPr lang="hu-HU" dirty="0"/>
+              <a:t> } </a:t>
+            </a:r>
+            <a:r>
+              <a:rPr lang="hu-HU" dirty="0" err="1"/>
+              <a:t>if</a:t>
+            </a:r>
+            <a:r>
+              <a:rPr lang="hu-HU" dirty="0"/>
+              <a:t> (</a:t>
+            </a:r>
+            <a:r>
+              <a:rPr lang="hu-HU" dirty="0" err="1"/>
+              <a:t>tomb</a:t>
+            </a:r>
+            <a:r>
+              <a:rPr lang="hu-HU" dirty="0"/>
+              <a:t>[i] &gt; </a:t>
+            </a:r>
+            <a:r>
+              <a:rPr lang="hu-HU" dirty="0" err="1"/>
+              <a:t>max</a:t>
+            </a:r>
+            <a:r>
+              <a:rPr lang="hu-HU" dirty="0"/>
+              <a:t>) </a:t>
             </a:r>
           </a:p>
           <a:p>
@@ -4056,12 +4174,22 @@
             </a:r>
             <a:r>
               <a:rPr lang="hu-HU" dirty="0" err="1"/>
-              <a:t>public</a:t>
-            </a:r>
-            <a:r>
-              <a:rPr lang="hu-HU" dirty="0"/>
-              <a:t> </a:t>
-            </a:r>
+              <a:t>max</a:t>
+            </a:r>
+            <a:r>
+              <a:rPr lang="hu-HU" dirty="0"/>
+              <a:t> = </a:t>
+            </a:r>
+            <a:r>
+              <a:rPr lang="hu-HU" dirty="0" err="1"/>
+              <a:t>tomb</a:t>
+            </a:r>
+            <a:r>
+              <a:rPr lang="hu-HU" dirty="0"/>
+              <a:t>[i]; } } }</a:t>
+            </a:r>
+          </a:p>
+          <a:p>
             <a:r>
               <a:rPr lang="hu-HU" dirty="0" err="1"/>
               <a:t>static</a:t>
@@ -4076,7 +4204,29 @@
             </a:r>
             <a:r>
               <a:rPr lang="hu-HU" dirty="0"/>
-              <a:t> MinMax(int[] </a:t>
+              <a:t> Main(</a:t>
+            </a:r>
+            <a:r>
+              <a:rPr lang="hu-HU" dirty="0" err="1"/>
+              <a:t>string</a:t>
+            </a:r>
+            <a:r>
+              <a:rPr lang="hu-HU" dirty="0"/>
+              <a:t>[] </a:t>
+            </a:r>
+            <a:r>
+              <a:rPr lang="hu-HU" dirty="0" err="1"/>
+              <a:t>args</a:t>
+            </a:r>
+            <a:r>
+              <a:rPr lang="hu-HU" dirty="0"/>
+              <a:t>) {</a:t>
+            </a:r>
+          </a:p>
+          <a:p>
+            <a:r>
+              <a:rPr lang="hu-HU" dirty="0"/>
+              <a:t> var </a:t>
             </a:r>
             <a:r>
               <a:rPr lang="hu-HU" dirty="0" err="1"/>
@@ -4084,7 +4234,27 @@
             </a:r>
             <a:r>
               <a:rPr lang="hu-HU" dirty="0"/>
-              <a:t>, out int min, out int </a:t>
+              <a:t> = </a:t>
+            </a:r>
+            <a:r>
+              <a:rPr lang="hu-HU" dirty="0" err="1"/>
+              <a:t>new</a:t>
+            </a:r>
+            <a:r>
+              <a:rPr lang="hu-HU" dirty="0"/>
+              <a:t> int[] { 9, 6, 0, 0, 1, 2, 2, 2, 3, 1, 5, 4, 8, 2, 8, 6 };</a:t>
+            </a:r>
+          </a:p>
+          <a:p>
+            <a:r>
+              <a:rPr lang="hu-HU" dirty="0"/>
+              <a:t> int min;</a:t>
+            </a:r>
+          </a:p>
+          <a:p>
+            <a:r>
+              <a:rPr lang="hu-HU" dirty="0"/>
+              <a:t> int </a:t>
             </a:r>
             <a:r>
               <a:rPr lang="hu-HU" dirty="0" err="1"/>
@@ -4092,19 +4262,13 @@
             </a:r>
             <a:r>
               <a:rPr lang="hu-HU" dirty="0"/>
-              <a:t>) </a:t>
-            </a:r>
-          </a:p>
-          <a:p>
-            <a:r>
-              <a:rPr lang="hu-HU" dirty="0"/>
-              <a:t>{</a:t>
-            </a:r>
-          </a:p>
-          <a:p>
-            <a:r>
-              <a:rPr lang="hu-HU" dirty="0"/>
-              <a:t>min = </a:t>
+              <a:t>;</a:t>
+            </a:r>
+          </a:p>
+          <a:p>
+            <a:r>
+              <a:rPr lang="hu-HU" dirty="0"/>
+              <a:t> MinMax(</a:t>
             </a:r>
             <a:r>
               <a:rPr lang="hu-HU" dirty="0" err="1"/>
@@ -4112,119 +4276,15 @@
             </a:r>
             <a:r>
               <a:rPr lang="hu-HU" dirty="0"/>
-              <a:t>[0]; </a:t>
-            </a:r>
-          </a:p>
-          <a:p>
+              <a:t>, out min, out </a:t>
+            </a:r>
             <a:r>
               <a:rPr lang="hu-HU" dirty="0" err="1"/>
               <a:t>max</a:t>
             </a:r>
             <a:r>
               <a:rPr lang="hu-HU" dirty="0"/>
-              <a:t> = </a:t>
-            </a:r>
-            <a:r>
-              <a:rPr lang="hu-HU" dirty="0" err="1"/>
-              <a:t>tomb</a:t>
-            </a:r>
-            <a:r>
-              <a:rPr lang="hu-HU" dirty="0"/>
-              <a:t>[0];</a:t>
-            </a:r>
-          </a:p>
-          <a:p>
-            <a:r>
-              <a:rPr lang="hu-HU" dirty="0"/>
-              <a:t> </a:t>
-            </a:r>
-            <a:r>
-              <a:rPr lang="hu-HU" dirty="0" err="1"/>
-              <a:t>for</a:t>
-            </a:r>
-            <a:r>
-              <a:rPr lang="hu-HU" dirty="0"/>
-              <a:t> (int i = 0; i &lt; </a:t>
-            </a:r>
-            <a:r>
-              <a:rPr lang="hu-HU" dirty="0" err="1"/>
-              <a:t>tomb.Length</a:t>
-            </a:r>
-            <a:r>
-              <a:rPr lang="hu-HU" dirty="0"/>
-              <a:t>; i++) { </a:t>
-            </a:r>
-          </a:p>
-          <a:p>
-            <a:r>
-              <a:rPr lang="hu-HU" dirty="0" err="1"/>
-              <a:t>if</a:t>
-            </a:r>
-            <a:r>
-              <a:rPr lang="hu-HU" dirty="0"/>
-              <a:t> (</a:t>
-            </a:r>
-            <a:r>
-              <a:rPr lang="hu-HU" dirty="0" err="1"/>
-              <a:t>tomb</a:t>
-            </a:r>
-            <a:r>
-              <a:rPr lang="hu-HU" dirty="0"/>
-              <a:t>[i] &lt; min)</a:t>
-            </a:r>
-          </a:p>
-          <a:p>
-            <a:r>
-              <a:rPr lang="hu-HU" dirty="0"/>
-              <a:t> { min = </a:t>
-            </a:r>
-            <a:r>
-              <a:rPr lang="hu-HU" dirty="0" err="1"/>
-              <a:t>tomb</a:t>
-            </a:r>
-            <a:r>
-              <a:rPr lang="hu-HU" dirty="0"/>
-              <a:t>[i]; } </a:t>
-            </a:r>
-            <a:r>
-              <a:rPr lang="hu-HU" dirty="0" err="1"/>
-              <a:t>if</a:t>
-            </a:r>
-            <a:r>
-              <a:rPr lang="hu-HU" dirty="0"/>
-              <a:t> (</a:t>
-            </a:r>
-            <a:r>
-              <a:rPr lang="hu-HU" dirty="0" err="1"/>
-              <a:t>tomb</a:t>
-            </a:r>
-            <a:r>
-              <a:rPr lang="hu-HU" dirty="0"/>
-              <a:t>[i] &gt; </a:t>
-            </a:r>
-            <a:r>
-              <a:rPr lang="hu-HU" dirty="0" err="1"/>
-              <a:t>max</a:t>
-            </a:r>
-            <a:r>
-              <a:rPr lang="hu-HU" dirty="0"/>
-              <a:t>) { </a:t>
-            </a:r>
-            <a:r>
-              <a:rPr lang="hu-HU" dirty="0" err="1"/>
-              <a:t>max</a:t>
-            </a:r>
-            <a:r>
-              <a:rPr lang="hu-HU" dirty="0"/>
-              <a:t> = </a:t>
-            </a:r>
-            <a:r>
-              <a:rPr lang="hu-HU" dirty="0" err="1"/>
-              <a:t>tomb</a:t>
-            </a:r>
-            <a:r>
-              <a:rPr lang="hu-HU" dirty="0"/>
-              <a:t>[i]; } } }</a:t>
+              <a:t>); </a:t>
             </a:r>
           </a:p>
         </p:txBody>
@@ -4232,22 +4292,22 @@
     </p:spTree>
     <p:extLst>
       <p:ext uri="{BB962C8B-B14F-4D97-AF65-F5344CB8AC3E}">
-        <p14:creationId xmlns:p14="http://schemas.microsoft.com/office/powerpoint/2010/main" val="4179457415"/>
+        <p14:creationId xmlns:p14="http://schemas.microsoft.com/office/powerpoint/2010/main" val="2676920378"/>
       </p:ext>
     </p:extLst>
   </p:cSld>
   <p:clrMapOvr>
     <a:masterClrMapping/>
   </p:clrMapOvr>
-  <mc:AlternateContent xmlns:mc="http://schemas.openxmlformats.org/markup-compatibility/2006">
-    <mc:Choice xmlns:p15="http://schemas.microsoft.com/office/powerpoint/2012/main" Requires="p15">
-      <p:transition xmlns:p14="http://schemas.microsoft.com/office/powerpoint/2010/main" spd="slow" p14:dur="6000">
-        <p15:prstTrans prst="curtains"/>
+  <mc:AlternateContent xmlns:mc="http://schemas.openxmlformats.org/markup-compatibility/2006" xmlns:p14="http://schemas.microsoft.com/office/powerpoint/2010/main">
+    <mc:Choice Requires="p14">
+      <p:transition spd="slow" p14:dur="1200">
+        <p:dissolve/>
       </p:transition>
     </mc:Choice>
-    <mc:Fallback>
+    <mc:Fallback xmlns="">
       <p:transition spd="slow">
-        <p:fade/>
+        <p:dissolve/>
       </p:transition>
     </mc:Fallback>
   </mc:AlternateContent>
@@ -4276,7 +4336,7 @@
           <p:cNvPr id="2" name="Cím 1">
             <a:extLst>
               <a:ext uri="{FF2B5EF4-FFF2-40B4-BE49-F238E27FC236}">
-                <a16:creationId xmlns:a16="http://schemas.microsoft.com/office/drawing/2014/main" id="{D10833D7-298E-45C0-9888-90B803A6E1FE}"/>
+                <a16:creationId xmlns:a16="http://schemas.microsoft.com/office/drawing/2014/main" id="{F3F123E9-7D5D-46AE-A112-E60E1AB8881F}"/>
               </a:ext>
             </a:extLst>
           </p:cNvPr>
@@ -4294,7 +4354,7 @@
           <a:p>
             <a:r>
               <a:rPr lang="hu-HU" dirty="0"/>
-              <a:t>7</a:t>
+              <a:t>8</a:t>
             </a:r>
           </a:p>
         </p:txBody>
@@ -4304,7 +4364,7 @@
           <p:cNvPr id="3" name="Tartalom helye 2">
             <a:extLst>
               <a:ext uri="{FF2B5EF4-FFF2-40B4-BE49-F238E27FC236}">
-                <a16:creationId xmlns:a16="http://schemas.microsoft.com/office/drawing/2014/main" id="{DCC218AB-1549-416F-BFEE-EA031B6F0E93}"/>
+                <a16:creationId xmlns:a16="http://schemas.microsoft.com/office/drawing/2014/main" id="{99249E74-2B59-4FAC-90D3-C1A5266962BA}"/>
               </a:ext>
             </a:extLst>
           </p:cNvPr>
@@ -4317,44 +4377,24 @@
         </p:nvSpPr>
         <p:spPr/>
         <p:txBody>
-          <a:bodyPr>
-            <a:normAutofit/>
-          </a:bodyPr>
-          <a:lstStyle/>
-          <a:p>
-            <a:r>
-              <a:rPr lang="hu-HU" dirty="0"/>
-              <a:t>{ min = </a:t>
-            </a:r>
+          <a:bodyPr/>
+          <a:lstStyle/>
+          <a:p>
             <a:r>
               <a:rPr lang="hu-HU" dirty="0" err="1"/>
-              <a:t>tomb</a:t>
-            </a:r>
-            <a:r>
-              <a:rPr lang="hu-HU" dirty="0"/>
-              <a:t>[i];</a:t>
-            </a:r>
-          </a:p>
-          <a:p>
-            <a:r>
-              <a:rPr lang="hu-HU" dirty="0"/>
-              <a:t> } </a:t>
+              <a:t>Console.WriteLine</a:t>
+            </a:r>
+            <a:r>
+              <a:rPr lang="hu-HU" dirty="0"/>
+              <a:t>("Minimum: {0}, </a:t>
             </a:r>
             <a:r>
               <a:rPr lang="hu-HU" dirty="0" err="1"/>
-              <a:t>if</a:t>
-            </a:r>
-            <a:r>
-              <a:rPr lang="hu-HU" dirty="0"/>
-              <a:t> (</a:t>
-            </a:r>
-            <a:r>
-              <a:rPr lang="hu-HU" dirty="0" err="1"/>
-              <a:t>tomb</a:t>
-            </a:r>
-            <a:r>
-              <a:rPr lang="hu-HU" dirty="0"/>
-              <a:t>[i] &gt; </a:t>
+              <a:t>Maximimum</a:t>
+            </a:r>
+            <a:r>
+              <a:rPr lang="hu-HU" dirty="0"/>
+              <a:t>: {1}", min, </a:t>
             </a:r>
             <a:r>
               <a:rPr lang="hu-HU" dirty="0" err="1"/>
@@ -4362,127 +4402,15 @@
             </a:r>
             <a:r>
               <a:rPr lang="hu-HU" dirty="0"/>
-              <a:t>) </a:t>
-            </a:r>
-          </a:p>
-          <a:p>
-            <a:r>
-              <a:rPr lang="hu-HU" dirty="0"/>
-              <a:t>{ </a:t>
+              <a:t>); </a:t>
             </a:r>
             <a:r>
               <a:rPr lang="hu-HU" dirty="0" err="1"/>
-              <a:t>max</a:t>
-            </a:r>
-            <a:r>
-              <a:rPr lang="hu-HU" dirty="0"/>
-              <a:t> = </a:t>
-            </a:r>
-            <a:r>
-              <a:rPr lang="hu-HU" dirty="0" err="1"/>
-              <a:t>tomb</a:t>
-            </a:r>
-            <a:r>
-              <a:rPr lang="hu-HU" dirty="0"/>
-              <a:t>[i]; } } }</a:t>
-            </a:r>
-          </a:p>
-          <a:p>
-            <a:r>
-              <a:rPr lang="hu-HU" dirty="0" err="1"/>
-              <a:t>static</a:t>
-            </a:r>
-            <a:r>
-              <a:rPr lang="hu-HU" dirty="0"/>
-              <a:t> </a:t>
-            </a:r>
-            <a:r>
-              <a:rPr lang="hu-HU" dirty="0" err="1"/>
-              <a:t>void</a:t>
-            </a:r>
-            <a:r>
-              <a:rPr lang="hu-HU" dirty="0"/>
-              <a:t> Main(</a:t>
-            </a:r>
-            <a:r>
-              <a:rPr lang="hu-HU" dirty="0" err="1"/>
-              <a:t>string</a:t>
-            </a:r>
-            <a:r>
-              <a:rPr lang="hu-HU" dirty="0"/>
-              <a:t>[] </a:t>
-            </a:r>
-            <a:r>
-              <a:rPr lang="hu-HU" dirty="0" err="1"/>
-              <a:t>args</a:t>
-            </a:r>
-            <a:r>
-              <a:rPr lang="hu-HU" dirty="0"/>
-              <a:t>) {</a:t>
-            </a:r>
-          </a:p>
-          <a:p>
-            <a:r>
-              <a:rPr lang="hu-HU" dirty="0"/>
-              <a:t> var </a:t>
-            </a:r>
-            <a:r>
-              <a:rPr lang="hu-HU" dirty="0" err="1"/>
-              <a:t>tomb</a:t>
-            </a:r>
-            <a:r>
-              <a:rPr lang="hu-HU" dirty="0"/>
-              <a:t> = </a:t>
-            </a:r>
-            <a:r>
-              <a:rPr lang="hu-HU" dirty="0" err="1"/>
-              <a:t>new</a:t>
-            </a:r>
-            <a:r>
-              <a:rPr lang="hu-HU" dirty="0"/>
-              <a:t> int[] { 9, 6, 0, 0, 1, 2, 2, 2, 3, 1, 5, 4, 8, 2, 8, 6 };</a:t>
-            </a:r>
-          </a:p>
-          <a:p>
-            <a:r>
-              <a:rPr lang="hu-HU" dirty="0"/>
-              <a:t> int min;</a:t>
-            </a:r>
-          </a:p>
-          <a:p>
-            <a:r>
-              <a:rPr lang="hu-HU" dirty="0"/>
-              <a:t> int </a:t>
-            </a:r>
-            <a:r>
-              <a:rPr lang="hu-HU" dirty="0" err="1"/>
-              <a:t>max</a:t>
-            </a:r>
-            <a:r>
-              <a:rPr lang="hu-HU" dirty="0"/>
-              <a:t>;</a:t>
-            </a:r>
-          </a:p>
-          <a:p>
-            <a:r>
-              <a:rPr lang="hu-HU" dirty="0"/>
-              <a:t> MinMax(</a:t>
-            </a:r>
-            <a:r>
-              <a:rPr lang="hu-HU" dirty="0" err="1"/>
-              <a:t>tomb</a:t>
-            </a:r>
-            <a:r>
-              <a:rPr lang="hu-HU" dirty="0"/>
-              <a:t>, out min, out </a:t>
-            </a:r>
-            <a:r>
-              <a:rPr lang="hu-HU" dirty="0" err="1"/>
-              <a:t>max</a:t>
-            </a:r>
-            <a:r>
-              <a:rPr lang="hu-HU" dirty="0"/>
-              <a:t>); </a:t>
+              <a:t>Console.ReadKey</a:t>
+            </a:r>
+            <a:r>
+              <a:rPr lang="hu-HU" dirty="0"/>
+              <a:t>(); } }</a:t>
             </a:r>
           </a:p>
         </p:txBody>
@@ -4490,22 +4418,22 @@
     </p:spTree>
     <p:extLst>
       <p:ext uri="{BB962C8B-B14F-4D97-AF65-F5344CB8AC3E}">
-        <p14:creationId xmlns:p14="http://schemas.microsoft.com/office/powerpoint/2010/main" val="2676920378"/>
+        <p14:creationId xmlns:p14="http://schemas.microsoft.com/office/powerpoint/2010/main" val="996158951"/>
       </p:ext>
     </p:extLst>
   </p:cSld>
   <p:clrMapOvr>
     <a:masterClrMapping/>
   </p:clrMapOvr>
-  <mc:AlternateContent xmlns:mc="http://schemas.openxmlformats.org/markup-compatibility/2006">
-    <mc:Choice xmlns:p14="http://schemas.microsoft.com/office/powerpoint/2010/main" Requires="p14">
-      <p:transition spd="slow" p14:dur="1200">
-        <p:dissolve/>
+  <mc:AlternateContent xmlns:mc="http://schemas.openxmlformats.org/markup-compatibility/2006" xmlns:p14="http://schemas.microsoft.com/office/powerpoint/2010/main">
+    <mc:Choice Requires="p14">
+      <p:transition spd="slow" p14:dur="1600">
+        <p14:prism isContent="1" isInverted="1"/>
       </p:transition>
     </mc:Choice>
-    <mc:Fallback>
+    <mc:Fallback xmlns="">
       <p:transition spd="slow">
-        <p:dissolve/>
+        <p:fade/>
       </p:transition>
     </mc:Fallback>
   </mc:AlternateContent>
@@ -4534,7 +4462,7 @@
           <p:cNvPr id="2" name="Cím 1">
             <a:extLst>
               <a:ext uri="{FF2B5EF4-FFF2-40B4-BE49-F238E27FC236}">
-                <a16:creationId xmlns:a16="http://schemas.microsoft.com/office/drawing/2014/main" id="{F3F123E9-7D5D-46AE-A112-E60E1AB8881F}"/>
+                <a16:creationId xmlns:a16="http://schemas.microsoft.com/office/drawing/2014/main" id="{EF3C8A8F-6791-4304-9976-C36D2EB5170B}"/>
               </a:ext>
             </a:extLst>
           </p:cNvPr>
@@ -4552,7 +4480,7 @@
           <a:p>
             <a:r>
               <a:rPr lang="hu-HU" dirty="0"/>
-              <a:t>8</a:t>
+              <a:t>Köszönöm a figyelmet</a:t>
             </a:r>
           </a:p>
         </p:txBody>
@@ -4562,7 +4490,7 @@
           <p:cNvPr id="3" name="Tartalom helye 2">
             <a:extLst>
               <a:ext uri="{FF2B5EF4-FFF2-40B4-BE49-F238E27FC236}">
-                <a16:creationId xmlns:a16="http://schemas.microsoft.com/office/drawing/2014/main" id="{99249E74-2B59-4FAC-90D3-C1A5266962BA}"/>
+                <a16:creationId xmlns:a16="http://schemas.microsoft.com/office/drawing/2014/main" id="{81348C2C-0DA3-4540-B640-03299C9C9FA9}"/>
               </a:ext>
             </a:extLst>
           </p:cNvPr>
@@ -4579,173 +4507,37 @@
           <a:lstStyle/>
           <a:p>
             <a:r>
+              <a:rPr lang="hu-HU" dirty="0"/>
+              <a:t>Források: </a:t>
+            </a:r>
+            <a:r>
               <a:rPr lang="hu-HU" dirty="0" err="1"/>
-              <a:t>Console.WriteLine</a:t>
-            </a:r>
-            <a:r>
-              <a:rPr lang="hu-HU" dirty="0"/>
-              <a:t>("Minimum: {0}, </a:t>
-            </a:r>
-            <a:r>
-              <a:rPr lang="hu-HU" dirty="0" err="1"/>
-              <a:t>Maximimum</a:t>
-            </a:r>
-            <a:r>
-              <a:rPr lang="hu-HU" dirty="0"/>
-              <a:t>: {1}", min, </a:t>
-            </a:r>
-            <a:r>
-              <a:rPr lang="hu-HU" dirty="0" err="1"/>
-              <a:t>max</a:t>
-            </a:r>
-            <a:r>
-              <a:rPr lang="hu-HU" dirty="0"/>
-              <a:t>); </a:t>
-            </a:r>
-            <a:r>
-              <a:rPr lang="hu-HU" dirty="0" err="1"/>
-              <a:t>Console.ReadKey</a:t>
-            </a:r>
-            <a:r>
-              <a:rPr lang="hu-HU" dirty="0"/>
-              <a:t>(); } }</a:t>
-            </a:r>
+              <a:t>chatgpt</a:t>
+            </a:r>
+            <a:endParaRPr lang="hu-HU" dirty="0"/>
+          </a:p>
+          <a:p>
+            <a:endParaRPr lang="hu-HU" dirty="0"/>
           </a:p>
         </p:txBody>
       </p:sp>
     </p:spTree>
     <p:extLst>
       <p:ext uri="{BB962C8B-B14F-4D97-AF65-F5344CB8AC3E}">
-        <p14:creationId xmlns:p14="http://schemas.microsoft.com/office/powerpoint/2010/main" val="996158951"/>
+        <p14:creationId xmlns:p14="http://schemas.microsoft.com/office/powerpoint/2010/main" val="2474069214"/>
       </p:ext>
     </p:extLst>
   </p:cSld>
   <p:clrMapOvr>
     <a:masterClrMapping/>
   </p:clrMapOvr>
-  <mc:AlternateContent xmlns:mc="http://schemas.openxmlformats.org/markup-compatibility/2006">
-    <mc:Choice xmlns:p14="http://schemas.microsoft.com/office/powerpoint/2010/main" Requires="p14">
-      <p:transition spd="slow" p14:dur="1600">
-        <p14:prism isContent="1" isInverted="1"/>
+  <mc:AlternateContent xmlns:mc="http://schemas.openxmlformats.org/markup-compatibility/2006" xmlns:p14="http://schemas.microsoft.com/office/powerpoint/2010/main">
+    <mc:Choice Requires="p14">
+      <p:transition spd="slow" p14:dur="4000">
+        <p14:vortex dir="r"/>
       </p:transition>
     </mc:Choice>
-    <mc:Fallback>
-      <p:transition spd="slow">
-        <p:fade/>
-      </p:transition>
-    </mc:Fallback>
-  </mc:AlternateContent>
-</p:sld>
-</file>
-
-<file path=ppt/slides/slide9.xml><?xml version="1.0" encoding="utf-8"?>
-<p:sld xmlns:a="http://schemas.openxmlformats.org/drawingml/2006/main" xmlns:r="http://schemas.openxmlformats.org/officeDocument/2006/relationships" xmlns:p="http://schemas.openxmlformats.org/presentationml/2006/main">
-  <p:cSld>
-    <p:spTree>
-      <p:nvGrpSpPr>
-        <p:cNvPr id="1" name=""/>
-        <p:cNvGrpSpPr/>
-        <p:nvPr/>
-      </p:nvGrpSpPr>
-      <p:grpSpPr>
-        <a:xfrm>
-          <a:off x="0" y="0"/>
-          <a:ext cx="0" cy="0"/>
-          <a:chOff x="0" y="0"/>
-          <a:chExt cx="0" cy="0"/>
-        </a:xfrm>
-      </p:grpSpPr>
-      <p:sp>
-        <p:nvSpPr>
-          <p:cNvPr id="2" name="Cím 1">
-            <a:extLst>
-              <a:ext uri="{FF2B5EF4-FFF2-40B4-BE49-F238E27FC236}">
-                <a16:creationId xmlns:a16="http://schemas.microsoft.com/office/drawing/2014/main" id="{27D306A1-853A-42E0-A99D-B9E6C511CF21}"/>
-              </a:ext>
-            </a:extLst>
-          </p:cNvPr>
-          <p:cNvSpPr>
-            <a:spLocks noGrp="1"/>
-          </p:cNvSpPr>
-          <p:nvPr>
-            <p:ph type="title"/>
-          </p:nvPr>
-        </p:nvSpPr>
-        <p:spPr/>
-        <p:txBody>
-          <a:bodyPr/>
-          <a:lstStyle/>
-          <a:p>
-            <a:endParaRPr lang="hu-HU"/>
-          </a:p>
-        </p:txBody>
-      </p:sp>
-      <p:pic>
-        <p:nvPicPr>
-          <p:cNvPr id="1026" name="Picture 2" descr="Did IShowSpeed Flash His Viewers By Accident On Stream? The Viral Wardrobe  Malfunction Explained | Know Your Meme">
-            <a:extLst>
-              <a:ext uri="{FF2B5EF4-FFF2-40B4-BE49-F238E27FC236}">
-                <a16:creationId xmlns:a16="http://schemas.microsoft.com/office/drawing/2014/main" id="{F6551D74-D722-4053-ADCC-40355079A1DB}"/>
-              </a:ext>
-            </a:extLst>
-          </p:cNvPr>
-          <p:cNvPicPr>
-            <a:picLocks noGrp="1" noChangeAspect="1" noChangeArrowheads="1"/>
-          </p:cNvPicPr>
-          <p:nvPr>
-            <p:ph idx="1"/>
-          </p:nvPr>
-        </p:nvPicPr>
-        <p:blipFill>
-          <a:blip r:embed="rId2">
-            <a:extLst>
-              <a:ext uri="{28A0092B-C50C-407E-A947-70E740481C1C}">
-                <a14:useLocalDpi xmlns:a14="http://schemas.microsoft.com/office/drawing/2010/main" val="0"/>
-              </a:ext>
-            </a:extLst>
-          </a:blip>
-          <a:srcRect/>
-          <a:stretch>
-            <a:fillRect/>
-          </a:stretch>
-        </p:blipFill>
-        <p:spPr bwMode="auto">
-          <a:xfrm>
-            <a:off x="2228144" y="1825625"/>
-            <a:ext cx="7735712" cy="4351338"/>
-          </a:xfrm>
-          <a:prstGeom prst="rect">
-            <a:avLst/>
-          </a:prstGeom>
-          <a:noFill/>
-          <a:extLst>
-            <a:ext uri="{909E8E84-426E-40DD-AFC4-6F175D3DCCD1}">
-              <a14:hiddenFill xmlns:a14="http://schemas.microsoft.com/office/drawing/2010/main">
-                <a:solidFill>
-                  <a:srgbClr val="FFFFFF"/>
-                </a:solidFill>
-              </a14:hiddenFill>
-            </a:ext>
-          </a:extLst>
-        </p:spPr>
-      </p:pic>
-    </p:spTree>
-    <p:extLst>
-      <p:ext uri="{BB962C8B-B14F-4D97-AF65-F5344CB8AC3E}">
-        <p14:creationId xmlns:p14="http://schemas.microsoft.com/office/powerpoint/2010/main" val="2938460367"/>
-      </p:ext>
-    </p:extLst>
-  </p:cSld>
-  <p:clrMapOvr>
-    <a:masterClrMapping/>
-  </p:clrMapOvr>
-  <mc:AlternateContent xmlns:mc="http://schemas.openxmlformats.org/markup-compatibility/2006">
-    <mc:Choice xmlns:p15="http://schemas.microsoft.com/office/powerpoint/2012/main" Requires="p15">
-      <p:transition xmlns:p14="http://schemas.microsoft.com/office/powerpoint/2010/main" spd="slow" p14:dur="2000">
-        <p15:prstTrans prst="fracture"/>
-      </p:transition>
-    </mc:Choice>
-    <mc:Fallback>
+    <mc:Fallback xmlns="">
       <p:transition spd="slow">
         <p:fade/>
       </p:transition>
